--- a/기계공학실험_04.pptx
+++ b/기계공학실험_04.pptx
@@ -230,7 +230,7 @@
             <a:fld id="{7B221F05-95D6-498D-BA88-FF003B5FB826}" type="datetimeFigureOut">
               <a:rPr lang="ko-KR" altLang="en-US" smtClean="0"/>
               <a:pPr/>
-              <a:t>2017-02-25</a:t>
+              <a:t>2017-04-11</a:t>
             </a:fld>
             <a:endParaRPr lang="ko-KR" altLang="en-US"/>
           </a:p>
@@ -686,7 +686,7 @@
             <a:fld id="{19FB1216-F83B-4868-805E-72F7E9D253FB}" type="datetimeFigureOut">
               <a:rPr lang="ko-KR" altLang="en-US" smtClean="0"/>
               <a:pPr/>
-              <a:t>2017-02-25</a:t>
+              <a:t>2017-04-11</a:t>
             </a:fld>
             <a:endParaRPr lang="ko-KR" altLang="en-US"/>
           </a:p>
@@ -902,7 +902,7 @@
             <a:fld id="{19FB1216-F83B-4868-805E-72F7E9D253FB}" type="datetimeFigureOut">
               <a:rPr lang="ko-KR" altLang="en-US" smtClean="0"/>
               <a:pPr/>
-              <a:t>2017-02-25</a:t>
+              <a:t>2017-04-11</a:t>
             </a:fld>
             <a:endParaRPr lang="ko-KR" altLang="en-US"/>
           </a:p>
@@ -1149,7 +1149,7 @@
             <a:fld id="{19FB1216-F83B-4868-805E-72F7E9D253FB}" type="datetimeFigureOut">
               <a:rPr lang="ko-KR" altLang="en-US" smtClean="0"/>
               <a:pPr/>
-              <a:t>2017-02-25</a:t>
+              <a:t>2017-04-11</a:t>
             </a:fld>
             <a:endParaRPr lang="ko-KR" altLang="en-US"/>
           </a:p>
@@ -1806,13 +1806,6 @@
   <p:clrMapOvr>
     <a:masterClrMapping/>
   </p:clrMapOvr>
-  <p:timing>
-    <p:tnLst>
-      <p:par>
-        <p:cTn id="1" dur="indefinite" restart="never" nodeType="tmRoot"/>
-      </p:par>
-    </p:tnLst>
-  </p:timing>
 </p:sld>
 </file>
 
@@ -2289,13 +2282,6 @@
   <p:clrMapOvr>
     <a:masterClrMapping/>
   </p:clrMapOvr>
-  <p:timing>
-    <p:tnLst>
-      <p:par>
-        <p:cTn id="1" dur="indefinite" restart="never" nodeType="tmRoot"/>
-      </p:par>
-    </p:tnLst>
-  </p:timing>
 </p:sld>
 </file>
 
@@ -5127,13 +5113,6 @@
   <p:clrMapOvr>
     <a:masterClrMapping/>
   </p:clrMapOvr>
-  <p:timing>
-    <p:tnLst>
-      <p:par>
-        <p:cTn id="1" dur="indefinite" restart="never" nodeType="tmRoot"/>
-      </p:par>
-    </p:tnLst>
-  </p:timing>
 </p:sld>
 </file>
 
@@ -7983,13 +7962,6 @@
   <p:clrMapOvr>
     <a:masterClrMapping/>
   </p:clrMapOvr>
-  <p:timing>
-    <p:tnLst>
-      <p:par>
-        <p:cTn id="1" dur="indefinite" restart="never" nodeType="tmRoot"/>
-      </p:par>
-    </p:tnLst>
-  </p:timing>
 </p:sld>
 </file>
 
@@ -10943,13 +10915,6 @@
   <p:clrMapOvr>
     <a:masterClrMapping/>
   </p:clrMapOvr>
-  <p:timing>
-    <p:tnLst>
-      <p:par>
-        <p:cTn id="1" dur="indefinite" restart="never" nodeType="tmRoot"/>
-      </p:par>
-    </p:tnLst>
-  </p:timing>
 </p:sld>
 </file>
 
@@ -11676,7 +11641,7 @@
           <a:graphicData uri="http://schemas.openxmlformats.org/presentationml/2006/ole">
             <mc:AlternateContent xmlns:mc="http://schemas.openxmlformats.org/markup-compatibility/2006">
               <mc:Choice xmlns:v="urn:schemas-microsoft-com:vml" Requires="v">
-                <p:oleObj spid="_x0000_s1028" name="Image" r:id="rId4" imgW="4533120" imgH="5637960" progId="Photoshop.Image.13">
+                <p:oleObj spid="_x0000_s1029" name="Image" r:id="rId4" imgW="4533120" imgH="5637960" progId="Photoshop.Image.13">
                   <p:embed/>
                 </p:oleObj>
               </mc:Choice>
@@ -11721,13 +11686,6 @@
   <p:clrMapOvr>
     <a:masterClrMapping/>
   </p:clrMapOvr>
-  <p:timing>
-    <p:tnLst>
-      <p:par>
-        <p:cTn id="1" dur="indefinite" restart="never" nodeType="tmRoot"/>
-      </p:par>
-    </p:tnLst>
-  </p:timing>
 </p:sld>
 </file>
 
@@ -12129,7 +12087,7 @@
           <a:graphicData uri="http://schemas.openxmlformats.org/presentationml/2006/ole">
             <mc:AlternateContent xmlns:mc="http://schemas.openxmlformats.org/markup-compatibility/2006">
               <mc:Choice xmlns:v="urn:schemas-microsoft-com:vml" Requires="v">
-                <p:oleObj spid="_x0000_s2065" name="Equation" r:id="rId3" imgW="2958840" imgH="419040" progId="Equation.DSMT4">
+                <p:oleObj spid="_x0000_s2068" name="Equation" r:id="rId3" imgW="2958840" imgH="419040" progId="Equation.DSMT4">
                   <p:embed/>
                 </p:oleObj>
               </mc:Choice>
@@ -12208,7 +12166,7 @@
           <a:graphicData uri="http://schemas.openxmlformats.org/presentationml/2006/ole">
             <mc:AlternateContent xmlns:mc="http://schemas.openxmlformats.org/markup-compatibility/2006">
               <mc:Choice xmlns:v="urn:schemas-microsoft-com:vml" Requires="v">
-                <p:oleObj spid="_x0000_s2066" name="Equation" r:id="rId5" imgW="2882880" imgH="419040" progId="Equation.DSMT4">
+                <p:oleObj spid="_x0000_s2069" name="Equation" r:id="rId5" imgW="2882880" imgH="419040" progId="Equation.DSMT4">
                   <p:embed/>
                 </p:oleObj>
               </mc:Choice>
@@ -12287,7 +12245,7 @@
           <a:graphicData uri="http://schemas.openxmlformats.org/presentationml/2006/ole">
             <mc:AlternateContent xmlns:mc="http://schemas.openxmlformats.org/markup-compatibility/2006">
               <mc:Choice xmlns:v="urn:schemas-microsoft-com:vml" Requires="v">
-                <p:oleObj spid="_x0000_s2067" name="Equation" r:id="rId7" imgW="3619440" imgH="419040" progId="Equation.DSMT4">
+                <p:oleObj spid="_x0000_s2070" name="Equation" r:id="rId7" imgW="3619440" imgH="419040" progId="Equation.DSMT4">
                   <p:embed/>
                 </p:oleObj>
               </mc:Choice>
@@ -12350,21 +12308,22 @@
       </p:graphicFrame>
       <p:pic>
         <p:nvPicPr>
-          <p:cNvPr id="9" name="그림 8"/>
+          <p:cNvPr id="8" name="그림 7"/>
           <p:cNvPicPr>
             <a:picLocks noChangeAspect="1"/>
           </p:cNvPicPr>
           <p:nvPr/>
         </p:nvPicPr>
-        <p:blipFill rotWithShape="1">
+        <p:blipFill>
           <a:blip r:embed="rId9"/>
-          <a:srcRect l="4621" t="6932" r="47623" b="2956"/>
-          <a:stretch/>
+          <a:stretch>
+            <a:fillRect/>
+          </a:stretch>
         </p:blipFill>
         <p:spPr>
           <a:xfrm>
-            <a:off x="5572125" y="1016670"/>
-            <a:ext cx="3004951" cy="5040560"/>
+            <a:off x="5557400" y="1813838"/>
+            <a:ext cx="3240000" cy="3446224"/>
           </a:xfrm>
           <a:prstGeom prst="rect">
             <a:avLst/>
@@ -12381,13 +12340,6 @@
   <p:clrMapOvr>
     <a:masterClrMapping/>
   </p:clrMapOvr>
-  <p:timing>
-    <p:tnLst>
-      <p:par>
-        <p:cTn id="1" dur="indefinite" restart="never" nodeType="tmRoot"/>
-      </p:par>
-    </p:tnLst>
-  </p:timing>
 </p:sld>
 </file>
 
@@ -12431,8 +12383,8 @@
           </a:p>
         </p:txBody>
       </p:sp>
-      <mc:AlternateContent xmlns:mc="http://schemas.openxmlformats.org/markup-compatibility/2006">
-        <mc:Choice xmlns:a14="http://schemas.microsoft.com/office/drawing/2010/main" Requires="a14">
+      <mc:AlternateContent xmlns:mc="http://schemas.openxmlformats.org/markup-compatibility/2006" xmlns:a14="http://schemas.microsoft.com/office/drawing/2010/main">
+        <mc:Choice Requires="a14">
           <p:sp>
             <p:nvSpPr>
               <p:cNvPr id="3" name="내용 개체 틀 2"/>
@@ -12635,35 +12587,23 @@
                 </a:r>
                 <a:r>
                   <a:rPr lang="ko-KR" altLang="en-US" dirty="0"/>
-                  <a:t>으로 차분할 수 있는 방법들을 </a:t>
-                </a:r>
-                <a:r>
-                  <a:rPr lang="ko-KR" altLang="en-US" dirty="0" smtClean="0"/>
-                  <a:t>조사할 것</a:t>
+                  <a:t>으로 차분할 수 있는 방법들을 조사할 것</a:t>
                 </a:r>
                 <a:endParaRPr lang="en-US" altLang="ko-KR" dirty="0"/>
               </a:p>
               <a:p>
                 <a:pPr lvl="1"/>
                 <a:r>
-                  <a:rPr lang="en-US" altLang="ko-KR" dirty="0" smtClean="0"/>
-                  <a:t>LGS, </a:t>
-                </a:r>
-                <a:r>
                   <a:rPr lang="en-US" altLang="ko-KR" dirty="0"/>
-                  <a:t>ADI, </a:t>
-                </a:r>
-                <a:r>
-                  <a:rPr lang="en-US" altLang="ko-KR" dirty="0" smtClean="0"/>
-                  <a:t>LSOR</a:t>
+                  <a:t>LGS, ADI, LSOR</a:t>
                 </a:r>
               </a:p>
               <a:p>
-                <a:endParaRPr lang="en-US" altLang="ko-KR" dirty="0" smtClean="0"/>
+                <a:endParaRPr lang="en-US" altLang="ko-KR" dirty="0"/>
               </a:p>
               <a:p>
                 <a:r>
-                  <a:rPr lang="ko-KR" altLang="en-US" dirty="0" smtClean="0"/>
+                  <a:rPr lang="ko-KR" altLang="en-US" dirty="0"/>
                   <a:t>각 </a:t>
                 </a:r>
                 <a:r>
@@ -12680,11 +12620,7 @@
                 </a:r>
                 <a:r>
                   <a:rPr lang="ko-KR" altLang="en-US" dirty="0"/>
-                  <a:t>횟수 및 결과 </a:t>
-                </a:r>
-                <a:r>
-                  <a:rPr lang="ko-KR" altLang="en-US" dirty="0" smtClean="0"/>
-                  <a:t>고찰할 것</a:t>
+                  <a:t>횟수 및 결과 고찰할 것</a:t>
                 </a:r>
                 <a:endParaRPr lang="en-US" altLang="ko-KR" dirty="0"/>
               </a:p>
@@ -12709,43 +12645,42 @@
                   <a:t>값 </a:t>
                 </a:r>
                 <a:r>
-                  <a:rPr lang="ko-KR" altLang="en-US" smtClean="0"/>
+                  <a:rPr lang="ko-KR" altLang="en-US"/>
                   <a:t>찾아볼 것</a:t>
                 </a:r>
-                <a:endParaRPr lang="en-US" altLang="ko-KR" dirty="0" smtClean="0"/>
+                <a:endParaRPr lang="en-US" altLang="ko-KR" dirty="0"/>
               </a:p>
               <a:p>
                 <a:pPr lvl="1"/>
                 <a:r>
-                  <a:rPr lang="en-US" altLang="ko-KR" dirty="0" smtClean="0"/>
+                  <a:rPr lang="en-US" altLang="ko-KR" dirty="0"/>
                   <a:t>[Hint] w</a:t>
                 </a:r>
                 <a:r>
-                  <a:rPr lang="ko-KR" altLang="en-US" dirty="0" smtClean="0"/>
+                  <a:rPr lang="ko-KR" altLang="en-US" dirty="0"/>
                   <a:t>를 변화시키면서 </a:t>
                 </a:r>
                 <a:r>
-                  <a:rPr lang="en-US" altLang="ko-KR" dirty="0" smtClean="0"/>
+                  <a:rPr lang="en-US" altLang="ko-KR" dirty="0"/>
                   <a:t>w</a:t>
                 </a:r>
                 <a:r>
-                  <a:rPr lang="ko-KR" altLang="en-US" dirty="0" smtClean="0"/>
+                  <a:rPr lang="ko-KR" altLang="en-US" dirty="0"/>
                   <a:t>에 따른 </a:t>
                 </a:r>
                 <a:r>
-                  <a:rPr lang="en-US" altLang="ko-KR" dirty="0" smtClean="0"/>
+                  <a:rPr lang="en-US" altLang="ko-KR" dirty="0"/>
                   <a:t>iteration</a:t>
                 </a:r>
                 <a:r>
-                  <a:rPr lang="ko-KR" altLang="en-US" dirty="0" smtClean="0"/>
+                  <a:rPr lang="ko-KR" altLang="en-US" dirty="0"/>
                   <a:t>의 변화를 그래프로 그려보면 알 수 있음</a:t>
                 </a:r>
-                <a:endParaRPr lang="ko-KR" altLang="en-US" dirty="0"/>
               </a:p>
             </p:txBody>
           </p:sp>
         </mc:Choice>
-        <mc:Fallback>
+        <mc:Fallback xmlns="">
           <p:sp>
             <p:nvSpPr>
               <p:cNvPr id="3" name="내용 개체 틀 2"/>
@@ -12789,13 +12724,6 @@
   <p:clrMapOvr>
     <a:masterClrMapping/>
   </p:clrMapOvr>
-  <p:timing>
-    <p:tnLst>
-      <p:par>
-        <p:cTn id="1" dur="indefinite" restart="never" nodeType="tmRoot"/>
-      </p:par>
-    </p:tnLst>
-  </p:timing>
 </p:sld>
 </file>
 
